--- a/draft-ietf-pce-sr-bidir-path-01.pptx
+++ b/draft-ietf-pce-sr-bidir-path-01.pptx
@@ -8302,13 +8302,13 @@
                 <a:latin typeface="Calibri" panose="020F0502020204030204" pitchFamily="34" charset="0"/>
                 <a:cs typeface="Calibri" panose="020F0502020204030204" pitchFamily="34" charset="0"/>
               </a:rPr>
-              <a:t>Specifically – Keep the door open for future extensions</a:t>
+              <a:t>Specifically – Keep the door open for future extensions for other PST</a:t>
             </a:r>
           </a:p>
           <a:p>
             <a:r>
               <a:rPr lang="en-CA" sz="2000" dirty="0"/>
-              <a:t>If a PCEP speaker receives a different PST value for Bidirectional LSP association group and it does not support.</a:t>
+              <a:t>If a PCEP speaker receives a different Path Setup Type (PST) value for Bidirectional LSP association group and it does not support.</a:t>
             </a:r>
           </a:p>
           <a:p>

--- a/draft-ietf-pce-sr-bidir-path-01.pptx
+++ b/draft-ietf-pce-sr-bidir-path-01.pptx
@@ -5615,6 +5615,37 @@
                 <a:ea typeface="Calibri" charset="0"/>
                 <a:cs typeface="Calibri" charset="0"/>
               </a:rPr>
+              <a:t>Rakesh Gandhi (</a:t>
+            </a:r>
+            <a:r>
+              <a:rPr lang="en-US" altLang="zh-CN" i="1" dirty="0" err="1">
+                <a:latin typeface="Calibri" charset="0"/>
+                <a:ea typeface="Calibri" charset="0"/>
+                <a:cs typeface="Calibri" charset="0"/>
+              </a:rPr>
+              <a:t>rgandhi@cisco.com</a:t>
+            </a:r>
+            <a:r>
+              <a:rPr lang="en-US" altLang="zh-CN" i="1" dirty="0">
+                <a:latin typeface="Calibri" charset="0"/>
+                <a:ea typeface="Calibri" charset="0"/>
+                <a:cs typeface="Calibri" charset="0"/>
+              </a:rPr>
+              <a:t>) </a:t>
+            </a:r>
+          </a:p>
+          <a:p>
+            <a:pPr>
+              <a:spcBef>
+                <a:spcPct val="20000"/>
+              </a:spcBef>
+            </a:pPr>
+            <a:r>
+              <a:rPr lang="en-US" altLang="zh-CN" i="1" dirty="0">
+                <a:latin typeface="Calibri" charset="0"/>
+                <a:ea typeface="Calibri" charset="0"/>
+                <a:cs typeface="Calibri" charset="0"/>
+              </a:rPr>
               <a:t>Colby Barth (</a:t>
             </a:r>
             <a:r>
@@ -5638,37 +5669,6 @@
               <a:ea typeface="Calibri" charset="0"/>
               <a:cs typeface="Calibri" charset="0"/>
             </a:endParaRPr>
-          </a:p>
-          <a:p>
-            <a:pPr>
-              <a:spcBef>
-                <a:spcPct val="20000"/>
-              </a:spcBef>
-            </a:pPr>
-            <a:r>
-              <a:rPr lang="en-US" altLang="zh-CN" i="1" dirty="0">
-                <a:latin typeface="Calibri" charset="0"/>
-                <a:ea typeface="Calibri" charset="0"/>
-                <a:cs typeface="Calibri" charset="0"/>
-              </a:rPr>
-              <a:t>Rakesh Gandhi (</a:t>
-            </a:r>
-            <a:r>
-              <a:rPr lang="en-US" altLang="zh-CN" i="1" dirty="0" err="1">
-                <a:latin typeface="Calibri" charset="0"/>
-                <a:ea typeface="Calibri" charset="0"/>
-                <a:cs typeface="Calibri" charset="0"/>
-              </a:rPr>
-              <a:t>rgandhi@cisco.com</a:t>
-            </a:r>
-            <a:r>
-              <a:rPr lang="en-US" altLang="zh-CN" i="1" dirty="0">
-                <a:latin typeface="Calibri" charset="0"/>
-                <a:ea typeface="Calibri" charset="0"/>
-                <a:cs typeface="Calibri" charset="0"/>
-              </a:rPr>
-              <a:t>) </a:t>
-            </a:r>
           </a:p>
           <a:p>
             <a:pPr>

--- a/draft-ietf-pce-sr-bidir-path-01.pptx
+++ b/draft-ietf-pce-sr-bidir-path-01.pptx
@@ -6131,7 +6131,15 @@
                 <a:ea typeface="Calibri" charset="0"/>
                 <a:cs typeface="Calibri" charset="0"/>
               </a:rPr>
-              <a:t>PCEP Extensions for Associated Bidirectional SR Paths</a:t>
+              <a:t>PCEP Extensions for Associated Bidirectional SR </a:t>
+            </a:r>
+            <a:r>
+              <a:rPr lang="en-US" sz="3800" b="1" dirty="0">
+                <a:latin typeface="Calibri" charset="0"/>
+                <a:ea typeface="Calibri" charset="0"/>
+                <a:cs typeface="Calibri" charset="0"/>
+              </a:rPr>
+              <a:t>LSPs</a:t>
             </a:r>
           </a:p>
         </p:txBody>
@@ -6793,7 +6801,11 @@
             </a:pPr>
             <a:r>
               <a:rPr lang="en-US" sz="1800" dirty="0"/>
-              <a:t>Packet transport networks deploying bidirectional SR LSPs</a:t>
+              <a:t>Packet transport networks deploying bidirectional </a:t>
+            </a:r>
+            <a:r>
+              <a:rPr lang="en-US" sz="1800" b="1" dirty="0"/>
+              <a:t>SR LSPs</a:t>
             </a:r>
           </a:p>
           <a:p>
@@ -6804,7 +6816,11 @@
             </a:pPr>
             <a:r>
               <a:rPr lang="en-US" sz="1800" dirty="0"/>
-              <a:t>Co-routed and non-co-routed forward and reverse SR LSPs</a:t>
+              <a:t>Co-routed and non-co-routed forward and reverse </a:t>
+            </a:r>
+            <a:r>
+              <a:rPr lang="en-US" sz="1800" b="1" dirty="0"/>
+              <a:t>SR LSPs</a:t>
             </a:r>
           </a:p>
           <a:p>
@@ -6827,7 +6843,11 @@
             </a:pPr>
             <a:r>
               <a:rPr lang="en-US" sz="1800" dirty="0"/>
-              <a:t>Associated bidirectional SR LSPs</a:t>
+              <a:t>Associated bidirectional </a:t>
+            </a:r>
+            <a:r>
+              <a:rPr lang="en-US" sz="1800" b="1" dirty="0"/>
+              <a:t>SR LSPs</a:t>
             </a:r>
           </a:p>
           <a:p>
@@ -7498,7 +7518,7 @@
                   <a:schemeClr val="tx2"/>
                 </a:solidFill>
               </a:rPr>
-              <a:t>Tunnel-AD</a:t>
+              <a:t>SR-Policy-AD</a:t>
             </a:r>
           </a:p>
         </p:txBody>
@@ -7668,7 +7688,7 @@
                   <a:schemeClr val="tx2"/>
                 </a:solidFill>
               </a:rPr>
-              <a:t>Tunnel-DA</a:t>
+              <a:t>SR-Policy-DA</a:t>
             </a:r>
           </a:p>
         </p:txBody>

--- a/draft-ietf-pce-sr-bidir-path-01.pptx
+++ b/draft-ietf-pce-sr-bidir-path-01.pptx
@@ -8035,7 +8035,7 @@
             </a:pPr>
             <a:r>
               <a:rPr lang="en-US" sz="2000" dirty="0"/>
-              <a:t>Populated using the same procedure as defined in [</a:t>
+              <a:t>The Association Object Populated using the procedure defined in [</a:t>
             </a:r>
             <a:r>
               <a:rPr lang="en-CA" sz="2000" i="1" dirty="0"/>
@@ -8322,7 +8322,7 @@
                 <a:latin typeface="Calibri" panose="020F0502020204030204" pitchFamily="34" charset="0"/>
                 <a:cs typeface="Calibri" panose="020F0502020204030204" pitchFamily="34" charset="0"/>
               </a:rPr>
-              <a:t>Specifically – Keep the door open for future extensions for other PST</a:t>
+              <a:t>Specifically – </a:t>
             </a:r>
           </a:p>
           <a:p>
@@ -8340,6 +8340,13 @@
           </a:p>
           <a:p>
             <a:pPr lvl="0"/>
+            <a:r>
+              <a:rPr lang="en-CA" sz="2000" b="1" dirty="0">
+                <a:latin typeface="Calibri" panose="020F0502020204030204" pitchFamily="34" charset="0"/>
+                <a:cs typeface="Calibri" panose="020F0502020204030204" pitchFamily="34" charset="0"/>
+              </a:rPr>
+              <a:t>Keep the door open for future extensions for other PSTs</a:t>
+            </a:r>
             <a:endParaRPr lang="en-US" sz="2000" dirty="0">
               <a:latin typeface="Calibri" panose="020F0502020204030204" pitchFamily="34" charset="0"/>
               <a:cs typeface="Calibri" panose="020F0502020204030204" pitchFamily="34" charset="0"/>
